--- a/02.Thermodynamic States.pptx
+++ b/02.Thermodynamic States.pptx
@@ -4103,7 +4103,7 @@
           <a:p>
             <a:pPr algn="ctr" eaLnBrk="1" hangingPunct="1"/>
             <a:r>
-              <a:rPr lang="en-US" sz="2800" dirty="0">
+              <a:rPr lang="en-US" sz="2800" b="1" dirty="0">
                 <a:solidFill>
                   <a:srgbClr val="C00000"/>
                 </a:solidFill>
@@ -4111,10 +4111,10 @@
               <a:t>Topic 2</a:t>
             </a:r>
             <a:br>
-              <a:rPr lang="en-US" b="0" dirty="0"/>
+              <a:rPr lang="en-US" b="1" dirty="0"/>
             </a:br>
             <a:r>
-              <a:rPr lang="en-US" sz="3200" dirty="0">
+              <a:rPr lang="en-US" sz="3200" b="1" dirty="0">
                 <a:solidFill>
                   <a:srgbClr val="0000FF"/>
                 </a:solidFill>
